--- a/Team-Syneria.pptx
+++ b/Team-Syneria.pptx
@@ -248,7 +248,7 @@
             <a:fld id="{9CE19030-0B86-499A-831F-8998F67AC57A}" type="datetimeFigureOut">
               <a:rPr lang="en-US" smtClean="0"/>
               <a:pPr/>
-              <a:t>8/4/2025</a:t>
+              <a:t>8/5/2025</a:t>
             </a:fld>
             <a:endParaRPr lang="en-IN"/>
           </a:p>
@@ -457,7 +457,7 @@
               <a:pPr>
                 <a:defRPr/>
               </a:pPr>
-              <a:t>8/4/2025</a:t>
+              <a:t>8/5/2025</a:t>
             </a:fld>
             <a:endParaRPr lang="en-US"/>
           </a:p>
@@ -9018,8 +9018,8 @@
         </p:nvSpPr>
         <p:spPr bwMode="auto">
           <a:xfrm>
-            <a:off x="158983" y="2437864"/>
-            <a:ext cx="6540522" cy="2460738"/>
+            <a:off x="317478" y="1790484"/>
+            <a:ext cx="6540522" cy="3691844"/>
           </a:xfrm>
           <a:prstGeom prst="rect">
             <a:avLst/>
@@ -9173,7 +9173,7 @@
                 <a:latin typeface="Times New Roman" panose="02020603050405020304" pitchFamily="18" charset="0"/>
                 <a:cs typeface="Times New Roman" panose="02020603050405020304" pitchFamily="18" charset="0"/>
               </a:rPr>
-              <a:t>Team- Syneria </a:t>
+              <a:t>Team Members:</a:t>
             </a:r>
           </a:p>
           <a:p>
@@ -9190,7 +9190,58 @@
                 <a:latin typeface="Times New Roman" panose="02020603050405020304" pitchFamily="18" charset="0"/>
                 <a:cs typeface="Times New Roman" panose="02020603050405020304" pitchFamily="18" charset="0"/>
               </a:rPr>
-              <a:t>Department – CSE</a:t>
+              <a:t>1.Reeva Gupta(2022a1r144)</a:t>
+            </a:r>
+          </a:p>
+          <a:p>
+            <a:pPr eaLnBrk="1" hangingPunct="1">
+              <a:lnSpc>
+                <a:spcPct val="200000"/>
+              </a:lnSpc>
+            </a:pPr>
+            <a:r>
+              <a:rPr lang="en-US" altLang="en-US" sz="2000" b="1" dirty="0">
+                <a:solidFill>
+                  <a:srgbClr val="000000"/>
+                </a:solidFill>
+                <a:latin typeface="Times New Roman" panose="02020603050405020304" pitchFamily="18" charset="0"/>
+                <a:cs typeface="Times New Roman" panose="02020603050405020304" pitchFamily="18" charset="0"/>
+              </a:rPr>
+              <a:t>2.Prakriti Sharma(2022a1r178)</a:t>
+            </a:r>
+          </a:p>
+          <a:p>
+            <a:pPr eaLnBrk="1" hangingPunct="1">
+              <a:lnSpc>
+                <a:spcPct val="200000"/>
+              </a:lnSpc>
+            </a:pPr>
+            <a:r>
+              <a:rPr lang="en-US" altLang="en-US" sz="2000" b="1" dirty="0">
+                <a:solidFill>
+                  <a:srgbClr val="000000"/>
+                </a:solidFill>
+                <a:latin typeface="Times New Roman" panose="02020603050405020304" pitchFamily="18" charset="0"/>
+                <a:cs typeface="Times New Roman" panose="02020603050405020304" pitchFamily="18" charset="0"/>
+              </a:rPr>
+              <a:t>3.Vidhi Mahajan(2022a1r158)</a:t>
+            </a:r>
+          </a:p>
+          <a:p>
+            <a:pPr eaLnBrk="1" hangingPunct="1">
+              <a:lnSpc>
+                <a:spcPct val="200000"/>
+              </a:lnSpc>
+            </a:pPr>
+            <a:r>
+              <a:rPr lang="en-US" altLang="en-US" sz="2000" b="1" dirty="0">
+                <a:solidFill>
+                  <a:srgbClr val="000000"/>
+                </a:solidFill>
+                <a:latin typeface="Times New Roman" panose="02020603050405020304" pitchFamily="18" charset="0"/>
+                <a:cs typeface="Times New Roman" panose="02020603050405020304" pitchFamily="18" charset="0"/>
+              </a:rPr>
+              <a:t>4.Arpit Thakur(2022a1r159)</a:t>
             </a:r>
           </a:p>
           <a:p>
@@ -9208,23 +9259,6 @@
                 <a:cs typeface="Times New Roman" panose="02020603050405020304" pitchFamily="18" charset="0"/>
               </a:rPr>
               <a:t>Topic – Array Vs Vector</a:t>
-            </a:r>
-          </a:p>
-          <a:p>
-            <a:pPr eaLnBrk="1" hangingPunct="1">
-              <a:lnSpc>
-                <a:spcPct val="200000"/>
-              </a:lnSpc>
-            </a:pPr>
-            <a:r>
-              <a:rPr lang="en-US" altLang="en-US" sz="2000" b="1" dirty="0">
-                <a:solidFill>
-                  <a:srgbClr val="000000"/>
-                </a:solidFill>
-                <a:latin typeface="Times New Roman" panose="02020603050405020304" pitchFamily="18" charset="0"/>
-                <a:cs typeface="Times New Roman" panose="02020603050405020304" pitchFamily="18" charset="0"/>
-              </a:rPr>
-              <a:t>Date of presentation- 05-08-2025</a:t>
             </a:r>
           </a:p>
         </p:txBody>
